--- a/Document/【严重推荐】程序接口的另类理解与使用.pptx
+++ b/Document/【严重推荐】程序接口的另类理解与使用.pptx
@@ -3706,8 +3706,8 @@
     <dgm:cxn modelId="{2996588D-C8F0-4AE4-970E-99FBCD0A165F}" srcId="{549937D1-CCB5-40D6-B27C-ACEC079D5826}" destId="{E6791814-BDB5-488B-AA30-E8912D57B480}" srcOrd="0" destOrd="0" parTransId="{6B862D6B-E172-4669-A310-68BCBA2AF996}" sibTransId="{AA348099-68C5-41B8-A26E-85675BFC6FD9}"/>
     <dgm:cxn modelId="{A16ACE65-D7FF-4A8F-A293-26204E56B1E4}" srcId="{E88BBAAB-D491-4AB7-AE0D-1DE5110CA856}" destId="{E2D830F0-48AC-4DE8-93B2-972C6F2DA775}" srcOrd="0" destOrd="0" parTransId="{4F5E986F-E1BC-4BA1-B5B5-ABA79F3A0018}" sibTransId="{AE176A5B-AAF2-4E8F-8524-2BC08670A702}"/>
     <dgm:cxn modelId="{5FBEEE78-1EC6-41BD-9A61-564B9DBD5604}" srcId="{549937D1-CCB5-40D6-B27C-ACEC079D5826}" destId="{DD30ED24-568C-4401-9FE9-A016758B3C25}" srcOrd="1" destOrd="0" parTransId="{6355D852-3337-435B-89D1-E30A7E5B6810}" sibTransId="{78C6702A-F088-4916-B7A7-99B7FFF62D22}"/>
+    <dgm:cxn modelId="{F9974175-54FB-4649-96B5-BA75B61E447B}" type="presOf" srcId="{549937D1-CCB5-40D6-B27C-ACEC079D5826}" destId="{1FE2CA9F-4F8C-4BB1-9462-C8A3784BD2D4}" srcOrd="0" destOrd="0" presId="urn:microsoft.com/office/officeart/2005/8/layout/vList2"/>
     <dgm:cxn modelId="{7491193B-DA0E-4BFE-BCD8-7F079583D103}" type="presOf" srcId="{E88BBAAB-D491-4AB7-AE0D-1DE5110CA856}" destId="{A8DDF522-DDFF-4E86-ADEB-1AF0F8D2840A}" srcOrd="0" destOrd="0" presId="urn:microsoft.com/office/officeart/2005/8/layout/vList2"/>
-    <dgm:cxn modelId="{F9974175-54FB-4649-96B5-BA75B61E447B}" type="presOf" srcId="{549937D1-CCB5-40D6-B27C-ACEC079D5826}" destId="{1FE2CA9F-4F8C-4BB1-9462-C8A3784BD2D4}" srcOrd="0" destOrd="0" presId="urn:microsoft.com/office/officeart/2005/8/layout/vList2"/>
     <dgm:cxn modelId="{1D949696-1303-426D-85EF-98FC45C01685}" type="presOf" srcId="{B1550D45-CEAF-4A21-8B99-70F2C0A469BC}" destId="{D7646CA6-FA0C-4306-843D-49570A1CA9EE}" srcOrd="0" destOrd="0" presId="urn:microsoft.com/office/officeart/2005/8/layout/vList2"/>
     <dgm:cxn modelId="{C4216CAB-2057-4F40-AB68-3FA7ED741EEB}" srcId="{B1550D45-CEAF-4A21-8B99-70F2C0A469BC}" destId="{E88BBAAB-D491-4AB7-AE0D-1DE5110CA856}" srcOrd="0" destOrd="0" parTransId="{983ABD50-3570-40BF-9371-55E13EAAAA05}" sibTransId="{C365481F-26D4-47EB-A679-343425019736}"/>
     <dgm:cxn modelId="{DDFA508C-375C-4B6D-9B4C-7EF07BC79169}" type="presOf" srcId="{DD30ED24-568C-4401-9FE9-A016758B3C25}" destId="{365190EB-877F-4198-96DC-301A537A3FDB}" srcOrd="0" destOrd="1" presId="urn:microsoft.com/office/officeart/2005/8/layout/vList2"/>
@@ -8990,7 +8990,7 @@
             <a:fld id="{B3A7C34E-4D51-45BF-9409-0B05A4D0CB3D}" type="datetimeFigureOut">
               <a:rPr lang="zh-CN" altLang="en-US" smtClean="0"/>
               <a:pPr/>
-              <a:t>2011-3-2</a:t>
+              <a:t>2011-05-19</a:t>
             </a:fld>
             <a:endParaRPr lang="zh-CN" altLang="en-US"/>
           </a:p>
@@ -15600,7 +15600,7 @@
   <a:themeElements>
     <a:clrScheme name="华丽">
       <a:dk1>
-        <a:sysClr val="windowText" lastClr="000000"/>
+        <a:sysClr val="windowText" lastClr="363636"/>
       </a:dk1>
       <a:lt1>
         <a:sysClr val="window" lastClr="FFFFFF"/>
@@ -15922,7 +15922,7 @@
   <a:themeElements>
     <a:clrScheme name="Office">
       <a:dk1>
-        <a:sysClr val="windowText" lastClr="000000"/>
+        <a:sysClr val="windowText" lastClr="363636"/>
       </a:dk1>
       <a:lt1>
         <a:sysClr val="window" lastClr="FFFFFF"/>
@@ -16205,7 +16205,7 @@
   <a:themeElements>
     <a:clrScheme name="Office">
       <a:dk1>
-        <a:sysClr val="windowText" lastClr="000000"/>
+        <a:sysClr val="windowText" lastClr="363636"/>
       </a:dk1>
       <a:lt1>
         <a:sysClr val="window" lastClr="FFFFFF"/>
